--- a/ppt/model-framework.pptx
+++ b/ppt/model-framework.pptx
@@ -2,12 +2,12 @@
 <file path=ppt/presentation.xml><?xml version="1.0" encoding="utf-8"?>
 <p:presentation xmlns:a="http://schemas.openxmlformats.org/drawingml/2006/main" xmlns:r="http://schemas.openxmlformats.org/officeDocument/2006/relationships" xmlns:p="http://schemas.openxmlformats.org/presentationml/2006/main" saveSubsetFonts="1">
   <p:sldMasterIdLst>
-    <p:sldMasterId id="2147483648" r:id="rId1"/>
+    <p:sldMasterId id="2147483684" r:id="rId1"/>
   </p:sldMasterIdLst>
   <p:sldIdLst>
     <p:sldId id="256" r:id="rId2"/>
   </p:sldIdLst>
-  <p:sldSz cx="12192000" cy="6858000"/>
+  <p:sldSz cx="7512050" cy="5057775"/>
   <p:notesSz cx="6858000" cy="9144000"/>
   <p:defaultTextStyle>
     <a:defPPr>
@@ -131,7 +131,7 @@
       </p:grpSpPr>
       <p:sp>
         <p:nvSpPr>
-          <p:cNvPr id="2" name="标题 1"/>
+          <p:cNvPr id="2" name="Title 1"/>
           <p:cNvSpPr>
             <a:spLocks noGrp="1"/>
           </p:cNvSpPr>
@@ -141,15 +141,15 @@
         </p:nvSpPr>
         <p:spPr>
           <a:xfrm>
-            <a:off x="1524000" y="1122363"/>
-            <a:ext cx="9144000" cy="2387600"/>
+            <a:off x="563404" y="827743"/>
+            <a:ext cx="6385243" cy="1760855"/>
           </a:xfrm>
         </p:spPr>
         <p:txBody>
           <a:bodyPr anchor="b"/>
           <a:lstStyle>
             <a:lvl1pPr algn="ctr">
-              <a:defRPr sz="6000"/>
+              <a:defRPr sz="4425"/>
             </a:lvl1pPr>
           </a:lstStyle>
           <a:p>
@@ -157,13 +157,13 @@
               <a:rPr lang="zh-CN" altLang="en-US" smtClean="0"/>
               <a:t>单击此处编辑母版标题样式</a:t>
             </a:r>
-            <a:endParaRPr lang="zh-CN" altLang="en-US"/>
+            <a:endParaRPr lang="en-US" dirty="0"/>
           </a:p>
         </p:txBody>
       </p:sp>
       <p:sp>
         <p:nvSpPr>
-          <p:cNvPr id="3" name="副标题 2"/>
+          <p:cNvPr id="3" name="Subtitle 2"/>
           <p:cNvSpPr>
             <a:spLocks noGrp="1"/>
           </p:cNvSpPr>
@@ -173,8 +173,8 @@
         </p:nvSpPr>
         <p:spPr>
           <a:xfrm>
-            <a:off x="1524000" y="3602038"/>
-            <a:ext cx="9144000" cy="1655762"/>
+            <a:off x="939006" y="2656503"/>
+            <a:ext cx="5634038" cy="1221124"/>
           </a:xfrm>
         </p:spPr>
         <p:txBody>
@@ -182,39 +182,39 @@
           <a:lstStyle>
             <a:lvl1pPr marL="0" indent="0" algn="ctr">
               <a:buNone/>
-              <a:defRPr sz="2400"/>
+              <a:defRPr sz="1770"/>
             </a:lvl1pPr>
-            <a:lvl2pPr marL="457200" indent="0" algn="ctr">
+            <a:lvl2pPr marL="337185" indent="0" algn="ctr">
               <a:buNone/>
-              <a:defRPr sz="2000"/>
+              <a:defRPr sz="1475"/>
             </a:lvl2pPr>
-            <a:lvl3pPr marL="914400" indent="0" algn="ctr">
+            <a:lvl3pPr marL="674370" indent="0" algn="ctr">
               <a:buNone/>
-              <a:defRPr sz="1800"/>
+              <a:defRPr sz="1328"/>
             </a:lvl3pPr>
-            <a:lvl4pPr marL="1371600" indent="0" algn="ctr">
+            <a:lvl4pPr marL="1011555" indent="0" algn="ctr">
               <a:buNone/>
-              <a:defRPr sz="1600"/>
+              <a:defRPr sz="1180"/>
             </a:lvl4pPr>
-            <a:lvl5pPr marL="1828800" indent="0" algn="ctr">
+            <a:lvl5pPr marL="1348740" indent="0" algn="ctr">
               <a:buNone/>
-              <a:defRPr sz="1600"/>
+              <a:defRPr sz="1180"/>
             </a:lvl5pPr>
-            <a:lvl6pPr marL="2286000" indent="0" algn="ctr">
+            <a:lvl6pPr marL="1685925" indent="0" algn="ctr">
               <a:buNone/>
-              <a:defRPr sz="1600"/>
+              <a:defRPr sz="1180"/>
             </a:lvl6pPr>
-            <a:lvl7pPr marL="2743200" indent="0" algn="ctr">
+            <a:lvl7pPr marL="2023110" indent="0" algn="ctr">
               <a:buNone/>
-              <a:defRPr sz="1600"/>
+              <a:defRPr sz="1180"/>
             </a:lvl7pPr>
-            <a:lvl8pPr marL="3200400" indent="0" algn="ctr">
+            <a:lvl8pPr marL="2360295" indent="0" algn="ctr">
               <a:buNone/>
-              <a:defRPr sz="1600"/>
+              <a:defRPr sz="1180"/>
             </a:lvl8pPr>
-            <a:lvl9pPr marL="3657600" indent="0" algn="ctr">
+            <a:lvl9pPr marL="2697480" indent="0" algn="ctr">
               <a:buNone/>
-              <a:defRPr sz="1600"/>
+              <a:defRPr sz="1180"/>
             </a:lvl9pPr>
           </a:lstStyle>
           <a:p>
@@ -222,13 +222,13 @@
               <a:rPr lang="zh-CN" altLang="en-US" smtClean="0"/>
               <a:t>单击以编辑母版副标题样式</a:t>
             </a:r>
-            <a:endParaRPr lang="zh-CN" altLang="en-US"/>
+            <a:endParaRPr lang="en-US" dirty="0"/>
           </a:p>
         </p:txBody>
       </p:sp>
       <p:sp>
         <p:nvSpPr>
-          <p:cNvPr id="4" name="日期占位符 3"/>
+          <p:cNvPr id="4" name="Date Placeholder 3"/>
           <p:cNvSpPr>
             <a:spLocks noGrp="1"/>
           </p:cNvSpPr>
@@ -243,7 +243,7 @@
           <a:p>
             <a:fld id="{2CCDA654-7A02-4410-B555-FE4EF22A3FD5}" type="datetimeFigureOut">
               <a:rPr lang="zh-CN" altLang="en-US" smtClean="0"/>
-              <a:t>2021/12/20</a:t>
+              <a:t>2021/12/25</a:t>
             </a:fld>
             <a:endParaRPr lang="zh-CN" altLang="en-US"/>
           </a:p>
@@ -251,7 +251,7 @@
       </p:sp>
       <p:sp>
         <p:nvSpPr>
-          <p:cNvPr id="5" name="页脚占位符 4"/>
+          <p:cNvPr id="5" name="Footer Placeholder 4"/>
           <p:cNvSpPr>
             <a:spLocks noGrp="1"/>
           </p:cNvSpPr>
@@ -270,7 +270,7 @@
       </p:sp>
       <p:sp>
         <p:nvSpPr>
-          <p:cNvPr id="6" name="灯片编号占位符 5"/>
+          <p:cNvPr id="6" name="Slide Number Placeholder 5"/>
           <p:cNvSpPr>
             <a:spLocks noGrp="1"/>
           </p:cNvSpPr>
@@ -294,7 +294,7 @@
     </p:spTree>
     <p:extLst>
       <p:ext uri="{BB962C8B-B14F-4D97-AF65-F5344CB8AC3E}">
-        <p14:creationId xmlns:p14="http://schemas.microsoft.com/office/powerpoint/2010/main" val="484255943"/>
+        <p14:creationId xmlns:p14="http://schemas.microsoft.com/office/powerpoint/2010/main" val="843885890"/>
       </p:ext>
     </p:extLst>
   </p:cSld>
@@ -323,7 +323,7 @@
       </p:grpSpPr>
       <p:sp>
         <p:nvSpPr>
-          <p:cNvPr id="2" name="标题 1"/>
+          <p:cNvPr id="2" name="Title 1"/>
           <p:cNvSpPr>
             <a:spLocks noGrp="1"/>
           </p:cNvSpPr>
@@ -340,13 +340,13 @@
               <a:rPr lang="zh-CN" altLang="en-US" smtClean="0"/>
               <a:t>单击此处编辑母版标题样式</a:t>
             </a:r>
-            <a:endParaRPr lang="zh-CN" altLang="en-US"/>
+            <a:endParaRPr lang="en-US" dirty="0"/>
           </a:p>
         </p:txBody>
       </p:sp>
       <p:sp>
         <p:nvSpPr>
-          <p:cNvPr id="3" name="竖排文字占位符 2"/>
+          <p:cNvPr id="3" name="Vertical Text Placeholder 2"/>
           <p:cNvSpPr>
             <a:spLocks noGrp="1"/>
           </p:cNvSpPr>
@@ -392,13 +392,13 @@
               <a:rPr lang="zh-CN" altLang="en-US" smtClean="0"/>
               <a:t>第五级</a:t>
             </a:r>
-            <a:endParaRPr lang="zh-CN" altLang="en-US"/>
+            <a:endParaRPr lang="en-US" dirty="0"/>
           </a:p>
         </p:txBody>
       </p:sp>
       <p:sp>
         <p:nvSpPr>
-          <p:cNvPr id="4" name="日期占位符 3"/>
+          <p:cNvPr id="4" name="Date Placeholder 3"/>
           <p:cNvSpPr>
             <a:spLocks noGrp="1"/>
           </p:cNvSpPr>
@@ -413,7 +413,7 @@
           <a:p>
             <a:fld id="{2CCDA654-7A02-4410-B555-FE4EF22A3FD5}" type="datetimeFigureOut">
               <a:rPr lang="zh-CN" altLang="en-US" smtClean="0"/>
-              <a:t>2021/12/20</a:t>
+              <a:t>2021/12/25</a:t>
             </a:fld>
             <a:endParaRPr lang="zh-CN" altLang="en-US"/>
           </a:p>
@@ -421,7 +421,7 @@
       </p:sp>
       <p:sp>
         <p:nvSpPr>
-          <p:cNvPr id="5" name="页脚占位符 4"/>
+          <p:cNvPr id="5" name="Footer Placeholder 4"/>
           <p:cNvSpPr>
             <a:spLocks noGrp="1"/>
           </p:cNvSpPr>
@@ -440,7 +440,7 @@
       </p:sp>
       <p:sp>
         <p:nvSpPr>
-          <p:cNvPr id="6" name="灯片编号占位符 5"/>
+          <p:cNvPr id="6" name="Slide Number Placeholder 5"/>
           <p:cNvSpPr>
             <a:spLocks noGrp="1"/>
           </p:cNvSpPr>
@@ -464,7 +464,7 @@
     </p:spTree>
     <p:extLst>
       <p:ext uri="{BB962C8B-B14F-4D97-AF65-F5344CB8AC3E}">
-        <p14:creationId xmlns:p14="http://schemas.microsoft.com/office/powerpoint/2010/main" val="3449177337"/>
+        <p14:creationId xmlns:p14="http://schemas.microsoft.com/office/powerpoint/2010/main" val="3802212206"/>
       </p:ext>
     </p:extLst>
   </p:cSld>
@@ -493,7 +493,7 @@
       </p:grpSpPr>
       <p:sp>
         <p:nvSpPr>
-          <p:cNvPr id="2" name="竖排标题 1"/>
+          <p:cNvPr id="2" name="Vertical Title 1"/>
           <p:cNvSpPr>
             <a:spLocks noGrp="1"/>
           </p:cNvSpPr>
@@ -503,8 +503,8 @@
         </p:nvSpPr>
         <p:spPr>
           <a:xfrm>
-            <a:off x="8724900" y="365125"/>
-            <a:ext cx="2628900" cy="5811838"/>
+            <a:off x="5375811" y="269279"/>
+            <a:ext cx="1619786" cy="4286231"/>
           </a:xfrm>
         </p:spPr>
         <p:txBody>
@@ -515,13 +515,13 @@
               <a:rPr lang="zh-CN" altLang="en-US" smtClean="0"/>
               <a:t>单击此处编辑母版标题样式</a:t>
             </a:r>
-            <a:endParaRPr lang="zh-CN" altLang="en-US"/>
+            <a:endParaRPr lang="en-US" dirty="0"/>
           </a:p>
         </p:txBody>
       </p:sp>
       <p:sp>
         <p:nvSpPr>
-          <p:cNvPr id="3" name="竖排文字占位符 2"/>
+          <p:cNvPr id="3" name="Vertical Text Placeholder 2"/>
           <p:cNvSpPr>
             <a:spLocks noGrp="1"/>
           </p:cNvSpPr>
@@ -531,8 +531,8 @@
         </p:nvSpPr>
         <p:spPr>
           <a:xfrm>
-            <a:off x="838200" y="365125"/>
-            <a:ext cx="7734300" cy="5811838"/>
+            <a:off x="516454" y="269279"/>
+            <a:ext cx="4765457" cy="4286231"/>
           </a:xfrm>
         </p:spPr>
         <p:txBody>
@@ -572,13 +572,13 @@
               <a:rPr lang="zh-CN" altLang="en-US" smtClean="0"/>
               <a:t>第五级</a:t>
             </a:r>
-            <a:endParaRPr lang="zh-CN" altLang="en-US"/>
+            <a:endParaRPr lang="en-US" dirty="0"/>
           </a:p>
         </p:txBody>
       </p:sp>
       <p:sp>
         <p:nvSpPr>
-          <p:cNvPr id="4" name="日期占位符 3"/>
+          <p:cNvPr id="4" name="Date Placeholder 3"/>
           <p:cNvSpPr>
             <a:spLocks noGrp="1"/>
           </p:cNvSpPr>
@@ -593,7 +593,7 @@
           <a:p>
             <a:fld id="{2CCDA654-7A02-4410-B555-FE4EF22A3FD5}" type="datetimeFigureOut">
               <a:rPr lang="zh-CN" altLang="en-US" smtClean="0"/>
-              <a:t>2021/12/20</a:t>
+              <a:t>2021/12/25</a:t>
             </a:fld>
             <a:endParaRPr lang="zh-CN" altLang="en-US"/>
           </a:p>
@@ -601,7 +601,7 @@
       </p:sp>
       <p:sp>
         <p:nvSpPr>
-          <p:cNvPr id="5" name="页脚占位符 4"/>
+          <p:cNvPr id="5" name="Footer Placeholder 4"/>
           <p:cNvSpPr>
             <a:spLocks noGrp="1"/>
           </p:cNvSpPr>
@@ -620,7 +620,7 @@
       </p:sp>
       <p:sp>
         <p:nvSpPr>
-          <p:cNvPr id="6" name="灯片编号占位符 5"/>
+          <p:cNvPr id="6" name="Slide Number Placeholder 5"/>
           <p:cNvSpPr>
             <a:spLocks noGrp="1"/>
           </p:cNvSpPr>
@@ -644,7 +644,7 @@
     </p:spTree>
     <p:extLst>
       <p:ext uri="{BB962C8B-B14F-4D97-AF65-F5344CB8AC3E}">
-        <p14:creationId xmlns:p14="http://schemas.microsoft.com/office/powerpoint/2010/main" val="1048340727"/>
+        <p14:creationId xmlns:p14="http://schemas.microsoft.com/office/powerpoint/2010/main" val="2957941946"/>
       </p:ext>
     </p:extLst>
   </p:cSld>
@@ -673,7 +673,7 @@
       </p:grpSpPr>
       <p:sp>
         <p:nvSpPr>
-          <p:cNvPr id="2" name="标题 1"/>
+          <p:cNvPr id="2" name="Title 1"/>
           <p:cNvSpPr>
             <a:spLocks noGrp="1"/>
           </p:cNvSpPr>
@@ -690,13 +690,13 @@
               <a:rPr lang="zh-CN" altLang="en-US" smtClean="0"/>
               <a:t>单击此处编辑母版标题样式</a:t>
             </a:r>
-            <a:endParaRPr lang="zh-CN" altLang="en-US"/>
+            <a:endParaRPr lang="en-US" dirty="0"/>
           </a:p>
         </p:txBody>
       </p:sp>
       <p:sp>
         <p:nvSpPr>
-          <p:cNvPr id="3" name="内容占位符 2"/>
+          <p:cNvPr id="3" name="Content Placeholder 2"/>
           <p:cNvSpPr>
             <a:spLocks noGrp="1"/>
           </p:cNvSpPr>
@@ -742,13 +742,13 @@
               <a:rPr lang="zh-CN" altLang="en-US" smtClean="0"/>
               <a:t>第五级</a:t>
             </a:r>
-            <a:endParaRPr lang="zh-CN" altLang="en-US"/>
+            <a:endParaRPr lang="en-US" dirty="0"/>
           </a:p>
         </p:txBody>
       </p:sp>
       <p:sp>
         <p:nvSpPr>
-          <p:cNvPr id="4" name="日期占位符 3"/>
+          <p:cNvPr id="4" name="Date Placeholder 3"/>
           <p:cNvSpPr>
             <a:spLocks noGrp="1"/>
           </p:cNvSpPr>
@@ -763,7 +763,7 @@
           <a:p>
             <a:fld id="{2CCDA654-7A02-4410-B555-FE4EF22A3FD5}" type="datetimeFigureOut">
               <a:rPr lang="zh-CN" altLang="en-US" smtClean="0"/>
-              <a:t>2021/12/20</a:t>
+              <a:t>2021/12/25</a:t>
             </a:fld>
             <a:endParaRPr lang="zh-CN" altLang="en-US"/>
           </a:p>
@@ -771,7 +771,7 @@
       </p:sp>
       <p:sp>
         <p:nvSpPr>
-          <p:cNvPr id="5" name="页脚占位符 4"/>
+          <p:cNvPr id="5" name="Footer Placeholder 4"/>
           <p:cNvSpPr>
             <a:spLocks noGrp="1"/>
           </p:cNvSpPr>
@@ -790,7 +790,7 @@
       </p:sp>
       <p:sp>
         <p:nvSpPr>
-          <p:cNvPr id="6" name="灯片编号占位符 5"/>
+          <p:cNvPr id="6" name="Slide Number Placeholder 5"/>
           <p:cNvSpPr>
             <a:spLocks noGrp="1"/>
           </p:cNvSpPr>
@@ -814,7 +814,7 @@
     </p:spTree>
     <p:extLst>
       <p:ext uri="{BB962C8B-B14F-4D97-AF65-F5344CB8AC3E}">
-        <p14:creationId xmlns:p14="http://schemas.microsoft.com/office/powerpoint/2010/main" val="2839544490"/>
+        <p14:creationId xmlns:p14="http://schemas.microsoft.com/office/powerpoint/2010/main" val="1422109892"/>
       </p:ext>
     </p:extLst>
   </p:cSld>
@@ -843,7 +843,7 @@
       </p:grpSpPr>
       <p:sp>
         <p:nvSpPr>
-          <p:cNvPr id="2" name="标题 1"/>
+          <p:cNvPr id="2" name="Title 1"/>
           <p:cNvSpPr>
             <a:spLocks noGrp="1"/>
           </p:cNvSpPr>
@@ -853,15 +853,15 @@
         </p:nvSpPr>
         <p:spPr>
           <a:xfrm>
-            <a:off x="831850" y="1709738"/>
-            <a:ext cx="10515600" cy="2852737"/>
+            <a:off x="512541" y="1260933"/>
+            <a:ext cx="6479143" cy="2103894"/>
           </a:xfrm>
         </p:spPr>
         <p:txBody>
           <a:bodyPr anchor="b"/>
           <a:lstStyle>
             <a:lvl1pPr>
-              <a:defRPr sz="6000"/>
+              <a:defRPr sz="4425"/>
             </a:lvl1pPr>
           </a:lstStyle>
           <a:p>
@@ -869,13 +869,13 @@
               <a:rPr lang="zh-CN" altLang="en-US" smtClean="0"/>
               <a:t>单击此处编辑母版标题样式</a:t>
             </a:r>
-            <a:endParaRPr lang="zh-CN" altLang="en-US"/>
+            <a:endParaRPr lang="en-US" dirty="0"/>
           </a:p>
         </p:txBody>
       </p:sp>
       <p:sp>
         <p:nvSpPr>
-          <p:cNvPr id="3" name="文本占位符 2"/>
+          <p:cNvPr id="3" name="Text Placeholder 2"/>
           <p:cNvSpPr>
             <a:spLocks noGrp="1"/>
           </p:cNvSpPr>
@@ -885,8 +885,8 @@
         </p:nvSpPr>
         <p:spPr>
           <a:xfrm>
-            <a:off x="831850" y="4589463"/>
-            <a:ext cx="10515600" cy="1500187"/>
+            <a:off x="512541" y="3384730"/>
+            <a:ext cx="6479143" cy="1106388"/>
           </a:xfrm>
         </p:spPr>
         <p:txBody>
@@ -894,17 +894,15 @@
           <a:lstStyle>
             <a:lvl1pPr marL="0" indent="0">
               <a:buNone/>
-              <a:defRPr sz="2400">
+              <a:defRPr sz="1770">
                 <a:solidFill>
-                  <a:schemeClr val="tx1">
-                    <a:tint val="75000"/>
-                  </a:schemeClr>
+                  <a:schemeClr val="tx1"/>
                 </a:solidFill>
               </a:defRPr>
             </a:lvl1pPr>
-            <a:lvl2pPr marL="457200" indent="0">
+            <a:lvl2pPr marL="337185" indent="0">
               <a:buNone/>
-              <a:defRPr sz="2000">
+              <a:defRPr sz="1475">
                 <a:solidFill>
                   <a:schemeClr val="tx1">
                     <a:tint val="75000"/>
@@ -912,9 +910,9 @@
                 </a:solidFill>
               </a:defRPr>
             </a:lvl2pPr>
-            <a:lvl3pPr marL="914400" indent="0">
+            <a:lvl3pPr marL="674370" indent="0">
               <a:buNone/>
-              <a:defRPr sz="1800">
+              <a:defRPr sz="1328">
                 <a:solidFill>
                   <a:schemeClr val="tx1">
                     <a:tint val="75000"/>
@@ -922,9 +920,9 @@
                 </a:solidFill>
               </a:defRPr>
             </a:lvl3pPr>
-            <a:lvl4pPr marL="1371600" indent="0">
+            <a:lvl4pPr marL="1011555" indent="0">
               <a:buNone/>
-              <a:defRPr sz="1600">
+              <a:defRPr sz="1180">
                 <a:solidFill>
                   <a:schemeClr val="tx1">
                     <a:tint val="75000"/>
@@ -932,9 +930,9 @@
                 </a:solidFill>
               </a:defRPr>
             </a:lvl4pPr>
-            <a:lvl5pPr marL="1828800" indent="0">
+            <a:lvl5pPr marL="1348740" indent="0">
               <a:buNone/>
-              <a:defRPr sz="1600">
+              <a:defRPr sz="1180">
                 <a:solidFill>
                   <a:schemeClr val="tx1">
                     <a:tint val="75000"/>
@@ -942,9 +940,9 @@
                 </a:solidFill>
               </a:defRPr>
             </a:lvl5pPr>
-            <a:lvl6pPr marL="2286000" indent="0">
+            <a:lvl6pPr marL="1685925" indent="0">
               <a:buNone/>
-              <a:defRPr sz="1600">
+              <a:defRPr sz="1180">
                 <a:solidFill>
                   <a:schemeClr val="tx1">
                     <a:tint val="75000"/>
@@ -952,9 +950,9 @@
                 </a:solidFill>
               </a:defRPr>
             </a:lvl6pPr>
-            <a:lvl7pPr marL="2743200" indent="0">
+            <a:lvl7pPr marL="2023110" indent="0">
               <a:buNone/>
-              <a:defRPr sz="1600">
+              <a:defRPr sz="1180">
                 <a:solidFill>
                   <a:schemeClr val="tx1">
                     <a:tint val="75000"/>
@@ -962,9 +960,9 @@
                 </a:solidFill>
               </a:defRPr>
             </a:lvl7pPr>
-            <a:lvl8pPr marL="3200400" indent="0">
+            <a:lvl8pPr marL="2360295" indent="0">
               <a:buNone/>
-              <a:defRPr sz="1600">
+              <a:defRPr sz="1180">
                 <a:solidFill>
                   <a:schemeClr val="tx1">
                     <a:tint val="75000"/>
@@ -972,9 +970,9 @@
                 </a:solidFill>
               </a:defRPr>
             </a:lvl8pPr>
-            <a:lvl9pPr marL="3657600" indent="0">
+            <a:lvl9pPr marL="2697480" indent="0">
               <a:buNone/>
-              <a:defRPr sz="1600">
+              <a:defRPr sz="1180">
                 <a:solidFill>
                   <a:schemeClr val="tx1">
                     <a:tint val="75000"/>
@@ -994,7 +992,7 @@
       </p:sp>
       <p:sp>
         <p:nvSpPr>
-          <p:cNvPr id="4" name="日期占位符 3"/>
+          <p:cNvPr id="4" name="Date Placeholder 3"/>
           <p:cNvSpPr>
             <a:spLocks noGrp="1"/>
           </p:cNvSpPr>
@@ -1009,7 +1007,7 @@
           <a:p>
             <a:fld id="{2CCDA654-7A02-4410-B555-FE4EF22A3FD5}" type="datetimeFigureOut">
               <a:rPr lang="zh-CN" altLang="en-US" smtClean="0"/>
-              <a:t>2021/12/20</a:t>
+              <a:t>2021/12/25</a:t>
             </a:fld>
             <a:endParaRPr lang="zh-CN" altLang="en-US"/>
           </a:p>
@@ -1017,7 +1015,7 @@
       </p:sp>
       <p:sp>
         <p:nvSpPr>
-          <p:cNvPr id="5" name="页脚占位符 4"/>
+          <p:cNvPr id="5" name="Footer Placeholder 4"/>
           <p:cNvSpPr>
             <a:spLocks noGrp="1"/>
           </p:cNvSpPr>
@@ -1036,7 +1034,7 @@
       </p:sp>
       <p:sp>
         <p:nvSpPr>
-          <p:cNvPr id="6" name="灯片编号占位符 5"/>
+          <p:cNvPr id="6" name="Slide Number Placeholder 5"/>
           <p:cNvSpPr>
             <a:spLocks noGrp="1"/>
           </p:cNvSpPr>
@@ -1060,7 +1058,7 @@
     </p:spTree>
     <p:extLst>
       <p:ext uri="{BB962C8B-B14F-4D97-AF65-F5344CB8AC3E}">
-        <p14:creationId xmlns:p14="http://schemas.microsoft.com/office/powerpoint/2010/main" val="4009628928"/>
+        <p14:creationId xmlns:p14="http://schemas.microsoft.com/office/powerpoint/2010/main" val="1300190044"/>
       </p:ext>
     </p:extLst>
   </p:cSld>
@@ -1089,7 +1087,7 @@
       </p:grpSpPr>
       <p:sp>
         <p:nvSpPr>
-          <p:cNvPr id="2" name="标题 1"/>
+          <p:cNvPr id="2" name="Title 1"/>
           <p:cNvSpPr>
             <a:spLocks noGrp="1"/>
           </p:cNvSpPr>
@@ -1106,13 +1104,13 @@
               <a:rPr lang="zh-CN" altLang="en-US" smtClean="0"/>
               <a:t>单击此处编辑母版标题样式</a:t>
             </a:r>
-            <a:endParaRPr lang="zh-CN" altLang="en-US"/>
+            <a:endParaRPr lang="en-US" dirty="0"/>
           </a:p>
         </p:txBody>
       </p:sp>
       <p:sp>
         <p:nvSpPr>
-          <p:cNvPr id="3" name="内容占位符 2"/>
+          <p:cNvPr id="3" name="Content Placeholder 2"/>
           <p:cNvSpPr>
             <a:spLocks noGrp="1"/>
           </p:cNvSpPr>
@@ -1122,8 +1120,8 @@
         </p:nvSpPr>
         <p:spPr>
           <a:xfrm>
-            <a:off x="838200" y="1825625"/>
-            <a:ext cx="5181600" cy="4351338"/>
+            <a:off x="516454" y="1346398"/>
+            <a:ext cx="3192621" cy="3209112"/>
           </a:xfrm>
         </p:spPr>
         <p:txBody>
@@ -1163,13 +1161,13 @@
               <a:rPr lang="zh-CN" altLang="en-US" smtClean="0"/>
               <a:t>第五级</a:t>
             </a:r>
-            <a:endParaRPr lang="zh-CN" altLang="en-US"/>
+            <a:endParaRPr lang="en-US" dirty="0"/>
           </a:p>
         </p:txBody>
       </p:sp>
       <p:sp>
         <p:nvSpPr>
-          <p:cNvPr id="4" name="内容占位符 3"/>
+          <p:cNvPr id="4" name="Content Placeholder 3"/>
           <p:cNvSpPr>
             <a:spLocks noGrp="1"/>
           </p:cNvSpPr>
@@ -1179,8 +1177,8 @@
         </p:nvSpPr>
         <p:spPr>
           <a:xfrm>
-            <a:off x="6172200" y="1825625"/>
-            <a:ext cx="5181600" cy="4351338"/>
+            <a:off x="3802975" y="1346398"/>
+            <a:ext cx="3192621" cy="3209112"/>
           </a:xfrm>
         </p:spPr>
         <p:txBody>
@@ -1220,13 +1218,13 @@
               <a:rPr lang="zh-CN" altLang="en-US" smtClean="0"/>
               <a:t>第五级</a:t>
             </a:r>
-            <a:endParaRPr lang="zh-CN" altLang="en-US"/>
+            <a:endParaRPr lang="en-US" dirty="0"/>
           </a:p>
         </p:txBody>
       </p:sp>
       <p:sp>
         <p:nvSpPr>
-          <p:cNvPr id="5" name="日期占位符 4"/>
+          <p:cNvPr id="5" name="Date Placeholder 4"/>
           <p:cNvSpPr>
             <a:spLocks noGrp="1"/>
           </p:cNvSpPr>
@@ -1241,7 +1239,7 @@
           <a:p>
             <a:fld id="{2CCDA654-7A02-4410-B555-FE4EF22A3FD5}" type="datetimeFigureOut">
               <a:rPr lang="zh-CN" altLang="en-US" smtClean="0"/>
-              <a:t>2021/12/20</a:t>
+              <a:t>2021/12/25</a:t>
             </a:fld>
             <a:endParaRPr lang="zh-CN" altLang="en-US"/>
           </a:p>
@@ -1249,7 +1247,7 @@
       </p:sp>
       <p:sp>
         <p:nvSpPr>
-          <p:cNvPr id="6" name="页脚占位符 5"/>
+          <p:cNvPr id="6" name="Footer Placeholder 5"/>
           <p:cNvSpPr>
             <a:spLocks noGrp="1"/>
           </p:cNvSpPr>
@@ -1268,7 +1266,7 @@
       </p:sp>
       <p:sp>
         <p:nvSpPr>
-          <p:cNvPr id="7" name="灯片编号占位符 6"/>
+          <p:cNvPr id="7" name="Slide Number Placeholder 6"/>
           <p:cNvSpPr>
             <a:spLocks noGrp="1"/>
           </p:cNvSpPr>
@@ -1292,7 +1290,7 @@
     </p:spTree>
     <p:extLst>
       <p:ext uri="{BB962C8B-B14F-4D97-AF65-F5344CB8AC3E}">
-        <p14:creationId xmlns:p14="http://schemas.microsoft.com/office/powerpoint/2010/main" val="20818182"/>
+        <p14:creationId xmlns:p14="http://schemas.microsoft.com/office/powerpoint/2010/main" val="2185956959"/>
       </p:ext>
     </p:extLst>
   </p:cSld>
@@ -1321,7 +1319,7 @@
       </p:grpSpPr>
       <p:sp>
         <p:nvSpPr>
-          <p:cNvPr id="2" name="标题 1"/>
+          <p:cNvPr id="2" name="Title 1"/>
           <p:cNvSpPr>
             <a:spLocks noGrp="1"/>
           </p:cNvSpPr>
@@ -1331,8 +1329,8 @@
         </p:nvSpPr>
         <p:spPr>
           <a:xfrm>
-            <a:off x="839788" y="365125"/>
-            <a:ext cx="10515600" cy="1325563"/>
+            <a:off x="517432" y="269281"/>
+            <a:ext cx="6479143" cy="977603"/>
           </a:xfrm>
         </p:spPr>
         <p:txBody>
@@ -1343,13 +1341,13 @@
               <a:rPr lang="zh-CN" altLang="en-US" smtClean="0"/>
               <a:t>单击此处编辑母版标题样式</a:t>
             </a:r>
-            <a:endParaRPr lang="zh-CN" altLang="en-US"/>
+            <a:endParaRPr lang="en-US" dirty="0"/>
           </a:p>
         </p:txBody>
       </p:sp>
       <p:sp>
         <p:nvSpPr>
-          <p:cNvPr id="3" name="文本占位符 2"/>
+          <p:cNvPr id="3" name="Text Placeholder 2"/>
           <p:cNvSpPr>
             <a:spLocks noGrp="1"/>
           </p:cNvSpPr>
@@ -1359,8 +1357,8 @@
         </p:nvSpPr>
         <p:spPr>
           <a:xfrm>
-            <a:off x="839788" y="1681163"/>
-            <a:ext cx="5157787" cy="823912"/>
+            <a:off x="517433" y="1239858"/>
+            <a:ext cx="3177949" cy="607635"/>
           </a:xfrm>
         </p:spPr>
         <p:txBody>
@@ -1368,39 +1366,39 @@
           <a:lstStyle>
             <a:lvl1pPr marL="0" indent="0">
               <a:buNone/>
-              <a:defRPr sz="2400" b="1"/>
+              <a:defRPr sz="1770" b="1"/>
             </a:lvl1pPr>
-            <a:lvl2pPr marL="457200" indent="0">
+            <a:lvl2pPr marL="337185" indent="0">
               <a:buNone/>
-              <a:defRPr sz="2000" b="1"/>
+              <a:defRPr sz="1475" b="1"/>
             </a:lvl2pPr>
-            <a:lvl3pPr marL="914400" indent="0">
+            <a:lvl3pPr marL="674370" indent="0">
               <a:buNone/>
-              <a:defRPr sz="1800" b="1"/>
+              <a:defRPr sz="1328" b="1"/>
             </a:lvl3pPr>
-            <a:lvl4pPr marL="1371600" indent="0">
+            <a:lvl4pPr marL="1011555" indent="0">
               <a:buNone/>
-              <a:defRPr sz="1600" b="1"/>
+              <a:defRPr sz="1180" b="1"/>
             </a:lvl4pPr>
-            <a:lvl5pPr marL="1828800" indent="0">
+            <a:lvl5pPr marL="1348740" indent="0">
               <a:buNone/>
-              <a:defRPr sz="1600" b="1"/>
+              <a:defRPr sz="1180" b="1"/>
             </a:lvl5pPr>
-            <a:lvl6pPr marL="2286000" indent="0">
+            <a:lvl6pPr marL="1685925" indent="0">
               <a:buNone/>
-              <a:defRPr sz="1600" b="1"/>
+              <a:defRPr sz="1180" b="1"/>
             </a:lvl6pPr>
-            <a:lvl7pPr marL="2743200" indent="0">
+            <a:lvl7pPr marL="2023110" indent="0">
               <a:buNone/>
-              <a:defRPr sz="1600" b="1"/>
+              <a:defRPr sz="1180" b="1"/>
             </a:lvl7pPr>
-            <a:lvl8pPr marL="3200400" indent="0">
+            <a:lvl8pPr marL="2360295" indent="0">
               <a:buNone/>
-              <a:defRPr sz="1600" b="1"/>
+              <a:defRPr sz="1180" b="1"/>
             </a:lvl8pPr>
-            <a:lvl9pPr marL="3657600" indent="0">
+            <a:lvl9pPr marL="2697480" indent="0">
               <a:buNone/>
-              <a:defRPr sz="1600" b="1"/>
+              <a:defRPr sz="1180" b="1"/>
             </a:lvl9pPr>
           </a:lstStyle>
           <a:p>
@@ -1414,7 +1412,7 @@
       </p:sp>
       <p:sp>
         <p:nvSpPr>
-          <p:cNvPr id="4" name="内容占位符 3"/>
+          <p:cNvPr id="4" name="Content Placeholder 3"/>
           <p:cNvSpPr>
             <a:spLocks noGrp="1"/>
           </p:cNvSpPr>
@@ -1424,8 +1422,8 @@
         </p:nvSpPr>
         <p:spPr>
           <a:xfrm>
-            <a:off x="839788" y="2505075"/>
-            <a:ext cx="5157787" cy="3684588"/>
+            <a:off x="517433" y="1847493"/>
+            <a:ext cx="3177949" cy="2717384"/>
           </a:xfrm>
         </p:spPr>
         <p:txBody>
@@ -1465,13 +1463,13 @@
               <a:rPr lang="zh-CN" altLang="en-US" smtClean="0"/>
               <a:t>第五级</a:t>
             </a:r>
-            <a:endParaRPr lang="zh-CN" altLang="en-US"/>
+            <a:endParaRPr lang="en-US" dirty="0"/>
           </a:p>
         </p:txBody>
       </p:sp>
       <p:sp>
         <p:nvSpPr>
-          <p:cNvPr id="5" name="文本占位符 4"/>
+          <p:cNvPr id="5" name="Text Placeholder 4"/>
           <p:cNvSpPr>
             <a:spLocks noGrp="1"/>
           </p:cNvSpPr>
@@ -1481,8 +1479,8 @@
         </p:nvSpPr>
         <p:spPr>
           <a:xfrm>
-            <a:off x="6172200" y="1681163"/>
-            <a:ext cx="5183188" cy="823912"/>
+            <a:off x="3802976" y="1239858"/>
+            <a:ext cx="3193600" cy="607635"/>
           </a:xfrm>
         </p:spPr>
         <p:txBody>
@@ -1490,39 +1488,39 @@
           <a:lstStyle>
             <a:lvl1pPr marL="0" indent="0">
               <a:buNone/>
-              <a:defRPr sz="2400" b="1"/>
+              <a:defRPr sz="1770" b="1"/>
             </a:lvl1pPr>
-            <a:lvl2pPr marL="457200" indent="0">
+            <a:lvl2pPr marL="337185" indent="0">
               <a:buNone/>
-              <a:defRPr sz="2000" b="1"/>
+              <a:defRPr sz="1475" b="1"/>
             </a:lvl2pPr>
-            <a:lvl3pPr marL="914400" indent="0">
+            <a:lvl3pPr marL="674370" indent="0">
               <a:buNone/>
-              <a:defRPr sz="1800" b="1"/>
+              <a:defRPr sz="1328" b="1"/>
             </a:lvl3pPr>
-            <a:lvl4pPr marL="1371600" indent="0">
+            <a:lvl4pPr marL="1011555" indent="0">
               <a:buNone/>
-              <a:defRPr sz="1600" b="1"/>
+              <a:defRPr sz="1180" b="1"/>
             </a:lvl4pPr>
-            <a:lvl5pPr marL="1828800" indent="0">
+            <a:lvl5pPr marL="1348740" indent="0">
               <a:buNone/>
-              <a:defRPr sz="1600" b="1"/>
+              <a:defRPr sz="1180" b="1"/>
             </a:lvl5pPr>
-            <a:lvl6pPr marL="2286000" indent="0">
+            <a:lvl6pPr marL="1685925" indent="0">
               <a:buNone/>
-              <a:defRPr sz="1600" b="1"/>
+              <a:defRPr sz="1180" b="1"/>
             </a:lvl6pPr>
-            <a:lvl7pPr marL="2743200" indent="0">
+            <a:lvl7pPr marL="2023110" indent="0">
               <a:buNone/>
-              <a:defRPr sz="1600" b="1"/>
+              <a:defRPr sz="1180" b="1"/>
             </a:lvl7pPr>
-            <a:lvl8pPr marL="3200400" indent="0">
+            <a:lvl8pPr marL="2360295" indent="0">
               <a:buNone/>
-              <a:defRPr sz="1600" b="1"/>
+              <a:defRPr sz="1180" b="1"/>
             </a:lvl8pPr>
-            <a:lvl9pPr marL="3657600" indent="0">
+            <a:lvl9pPr marL="2697480" indent="0">
               <a:buNone/>
-              <a:defRPr sz="1600" b="1"/>
+              <a:defRPr sz="1180" b="1"/>
             </a:lvl9pPr>
           </a:lstStyle>
           <a:p>
@@ -1536,7 +1534,7 @@
       </p:sp>
       <p:sp>
         <p:nvSpPr>
-          <p:cNvPr id="6" name="内容占位符 5"/>
+          <p:cNvPr id="6" name="Content Placeholder 5"/>
           <p:cNvSpPr>
             <a:spLocks noGrp="1"/>
           </p:cNvSpPr>
@@ -1546,8 +1544,8 @@
         </p:nvSpPr>
         <p:spPr>
           <a:xfrm>
-            <a:off x="6172200" y="2505075"/>
-            <a:ext cx="5183188" cy="3684588"/>
+            <a:off x="3802976" y="1847493"/>
+            <a:ext cx="3193600" cy="2717384"/>
           </a:xfrm>
         </p:spPr>
         <p:txBody>
@@ -1587,13 +1585,13 @@
               <a:rPr lang="zh-CN" altLang="en-US" smtClean="0"/>
               <a:t>第五级</a:t>
             </a:r>
-            <a:endParaRPr lang="zh-CN" altLang="en-US"/>
+            <a:endParaRPr lang="en-US" dirty="0"/>
           </a:p>
         </p:txBody>
       </p:sp>
       <p:sp>
         <p:nvSpPr>
-          <p:cNvPr id="7" name="日期占位符 6"/>
+          <p:cNvPr id="7" name="Date Placeholder 6"/>
           <p:cNvSpPr>
             <a:spLocks noGrp="1"/>
           </p:cNvSpPr>
@@ -1608,7 +1606,7 @@
           <a:p>
             <a:fld id="{2CCDA654-7A02-4410-B555-FE4EF22A3FD5}" type="datetimeFigureOut">
               <a:rPr lang="zh-CN" altLang="en-US" smtClean="0"/>
-              <a:t>2021/12/20</a:t>
+              <a:t>2021/12/25</a:t>
             </a:fld>
             <a:endParaRPr lang="zh-CN" altLang="en-US"/>
           </a:p>
@@ -1616,7 +1614,7 @@
       </p:sp>
       <p:sp>
         <p:nvSpPr>
-          <p:cNvPr id="8" name="页脚占位符 7"/>
+          <p:cNvPr id="8" name="Footer Placeholder 7"/>
           <p:cNvSpPr>
             <a:spLocks noGrp="1"/>
           </p:cNvSpPr>
@@ -1635,7 +1633,7 @@
       </p:sp>
       <p:sp>
         <p:nvSpPr>
-          <p:cNvPr id="9" name="灯片编号占位符 8"/>
+          <p:cNvPr id="9" name="Slide Number Placeholder 8"/>
           <p:cNvSpPr>
             <a:spLocks noGrp="1"/>
           </p:cNvSpPr>
@@ -1659,7 +1657,7 @@
     </p:spTree>
     <p:extLst>
       <p:ext uri="{BB962C8B-B14F-4D97-AF65-F5344CB8AC3E}">
-        <p14:creationId xmlns:p14="http://schemas.microsoft.com/office/powerpoint/2010/main" val="2866630561"/>
+        <p14:creationId xmlns:p14="http://schemas.microsoft.com/office/powerpoint/2010/main" val="3424302534"/>
       </p:ext>
     </p:extLst>
   </p:cSld>
@@ -1688,7 +1686,7 @@
       </p:grpSpPr>
       <p:sp>
         <p:nvSpPr>
-          <p:cNvPr id="2" name="标题 1"/>
+          <p:cNvPr id="2" name="Title 1"/>
           <p:cNvSpPr>
             <a:spLocks noGrp="1"/>
           </p:cNvSpPr>
@@ -1705,13 +1703,13 @@
               <a:rPr lang="zh-CN" altLang="en-US" smtClean="0"/>
               <a:t>单击此处编辑母版标题样式</a:t>
             </a:r>
-            <a:endParaRPr lang="zh-CN" altLang="en-US"/>
+            <a:endParaRPr lang="en-US" dirty="0"/>
           </a:p>
         </p:txBody>
       </p:sp>
       <p:sp>
         <p:nvSpPr>
-          <p:cNvPr id="3" name="日期占位符 2"/>
+          <p:cNvPr id="3" name="Date Placeholder 2"/>
           <p:cNvSpPr>
             <a:spLocks noGrp="1"/>
           </p:cNvSpPr>
@@ -1726,7 +1724,7 @@
           <a:p>
             <a:fld id="{2CCDA654-7A02-4410-B555-FE4EF22A3FD5}" type="datetimeFigureOut">
               <a:rPr lang="zh-CN" altLang="en-US" smtClean="0"/>
-              <a:t>2021/12/20</a:t>
+              <a:t>2021/12/25</a:t>
             </a:fld>
             <a:endParaRPr lang="zh-CN" altLang="en-US"/>
           </a:p>
@@ -1734,7 +1732,7 @@
       </p:sp>
       <p:sp>
         <p:nvSpPr>
-          <p:cNvPr id="4" name="页脚占位符 3"/>
+          <p:cNvPr id="4" name="Footer Placeholder 3"/>
           <p:cNvSpPr>
             <a:spLocks noGrp="1"/>
           </p:cNvSpPr>
@@ -1753,7 +1751,7 @@
       </p:sp>
       <p:sp>
         <p:nvSpPr>
-          <p:cNvPr id="5" name="灯片编号占位符 4"/>
+          <p:cNvPr id="5" name="Slide Number Placeholder 4"/>
           <p:cNvSpPr>
             <a:spLocks noGrp="1"/>
           </p:cNvSpPr>
@@ -1777,7 +1775,7 @@
     </p:spTree>
     <p:extLst>
       <p:ext uri="{BB962C8B-B14F-4D97-AF65-F5344CB8AC3E}">
-        <p14:creationId xmlns:p14="http://schemas.microsoft.com/office/powerpoint/2010/main" val="2091345003"/>
+        <p14:creationId xmlns:p14="http://schemas.microsoft.com/office/powerpoint/2010/main" val="139915936"/>
       </p:ext>
     </p:extLst>
   </p:cSld>
@@ -1806,7 +1804,7 @@
       </p:grpSpPr>
       <p:sp>
         <p:nvSpPr>
-          <p:cNvPr id="2" name="日期占位符 1"/>
+          <p:cNvPr id="2" name="Date Placeholder 1"/>
           <p:cNvSpPr>
             <a:spLocks noGrp="1"/>
           </p:cNvSpPr>
@@ -1821,7 +1819,7 @@
           <a:p>
             <a:fld id="{2CCDA654-7A02-4410-B555-FE4EF22A3FD5}" type="datetimeFigureOut">
               <a:rPr lang="zh-CN" altLang="en-US" smtClean="0"/>
-              <a:t>2021/12/20</a:t>
+              <a:t>2021/12/25</a:t>
             </a:fld>
             <a:endParaRPr lang="zh-CN" altLang="en-US"/>
           </a:p>
@@ -1829,7 +1827,7 @@
       </p:sp>
       <p:sp>
         <p:nvSpPr>
-          <p:cNvPr id="3" name="页脚占位符 2"/>
+          <p:cNvPr id="3" name="Footer Placeholder 2"/>
           <p:cNvSpPr>
             <a:spLocks noGrp="1"/>
           </p:cNvSpPr>
@@ -1848,7 +1846,7 @@
       </p:sp>
       <p:sp>
         <p:nvSpPr>
-          <p:cNvPr id="4" name="灯片编号占位符 3"/>
+          <p:cNvPr id="4" name="Slide Number Placeholder 3"/>
           <p:cNvSpPr>
             <a:spLocks noGrp="1"/>
           </p:cNvSpPr>
@@ -1872,7 +1870,7 @@
     </p:spTree>
     <p:extLst>
       <p:ext uri="{BB962C8B-B14F-4D97-AF65-F5344CB8AC3E}">
-        <p14:creationId xmlns:p14="http://schemas.microsoft.com/office/powerpoint/2010/main" val="478189632"/>
+        <p14:creationId xmlns:p14="http://schemas.microsoft.com/office/powerpoint/2010/main" val="1229679200"/>
       </p:ext>
     </p:extLst>
   </p:cSld>
@@ -1901,7 +1899,7 @@
       </p:grpSpPr>
       <p:sp>
         <p:nvSpPr>
-          <p:cNvPr id="2" name="标题 1"/>
+          <p:cNvPr id="2" name="Title 1"/>
           <p:cNvSpPr>
             <a:spLocks noGrp="1"/>
           </p:cNvSpPr>
@@ -1911,15 +1909,15 @@
         </p:nvSpPr>
         <p:spPr>
           <a:xfrm>
-            <a:off x="839788" y="457200"/>
-            <a:ext cx="3932237" cy="1600200"/>
+            <a:off x="517432" y="337185"/>
+            <a:ext cx="2422832" cy="1180148"/>
           </a:xfrm>
         </p:spPr>
         <p:txBody>
           <a:bodyPr anchor="b"/>
           <a:lstStyle>
             <a:lvl1pPr>
-              <a:defRPr sz="3200"/>
+              <a:defRPr sz="2360"/>
             </a:lvl1pPr>
           </a:lstStyle>
           <a:p>
@@ -1927,13 +1925,13 @@
               <a:rPr lang="zh-CN" altLang="en-US" smtClean="0"/>
               <a:t>单击此处编辑母版标题样式</a:t>
             </a:r>
-            <a:endParaRPr lang="zh-CN" altLang="en-US"/>
+            <a:endParaRPr lang="en-US" dirty="0"/>
           </a:p>
         </p:txBody>
       </p:sp>
       <p:sp>
         <p:nvSpPr>
-          <p:cNvPr id="3" name="内容占位符 2"/>
+          <p:cNvPr id="3" name="Content Placeholder 2"/>
           <p:cNvSpPr>
             <a:spLocks noGrp="1"/>
           </p:cNvSpPr>
@@ -1943,39 +1941,39 @@
         </p:nvSpPr>
         <p:spPr>
           <a:xfrm>
-            <a:off x="5183188" y="987425"/>
-            <a:ext cx="6172200" cy="4873625"/>
+            <a:off x="3193600" y="728227"/>
+            <a:ext cx="3802975" cy="3594298"/>
           </a:xfrm>
         </p:spPr>
         <p:txBody>
           <a:bodyPr/>
           <a:lstStyle>
             <a:lvl1pPr>
-              <a:defRPr sz="3200"/>
+              <a:defRPr sz="2360"/>
             </a:lvl1pPr>
             <a:lvl2pPr>
-              <a:defRPr sz="2800"/>
+              <a:defRPr sz="2065"/>
             </a:lvl2pPr>
             <a:lvl3pPr>
-              <a:defRPr sz="2400"/>
+              <a:defRPr sz="1770"/>
             </a:lvl3pPr>
             <a:lvl4pPr>
-              <a:defRPr sz="2000"/>
+              <a:defRPr sz="1475"/>
             </a:lvl4pPr>
             <a:lvl5pPr>
-              <a:defRPr sz="2000"/>
+              <a:defRPr sz="1475"/>
             </a:lvl5pPr>
             <a:lvl6pPr>
-              <a:defRPr sz="2000"/>
+              <a:defRPr sz="1475"/>
             </a:lvl6pPr>
             <a:lvl7pPr>
-              <a:defRPr sz="2000"/>
+              <a:defRPr sz="1475"/>
             </a:lvl7pPr>
             <a:lvl8pPr>
-              <a:defRPr sz="2000"/>
+              <a:defRPr sz="1475"/>
             </a:lvl8pPr>
             <a:lvl9pPr>
-              <a:defRPr sz="2000"/>
+              <a:defRPr sz="1475"/>
             </a:lvl9pPr>
           </a:lstStyle>
           <a:p>
@@ -2012,13 +2010,13 @@
               <a:rPr lang="zh-CN" altLang="en-US" smtClean="0"/>
               <a:t>第五级</a:t>
             </a:r>
-            <a:endParaRPr lang="zh-CN" altLang="en-US"/>
+            <a:endParaRPr lang="en-US" dirty="0"/>
           </a:p>
         </p:txBody>
       </p:sp>
       <p:sp>
         <p:nvSpPr>
-          <p:cNvPr id="4" name="文本占位符 3"/>
+          <p:cNvPr id="4" name="Text Placeholder 3"/>
           <p:cNvSpPr>
             <a:spLocks noGrp="1"/>
           </p:cNvSpPr>
@@ -2028,8 +2026,8 @@
         </p:nvSpPr>
         <p:spPr>
           <a:xfrm>
-            <a:off x="839788" y="2057400"/>
-            <a:ext cx="3932237" cy="3811588"/>
+            <a:off x="517432" y="1517333"/>
+            <a:ext cx="2422832" cy="2811046"/>
           </a:xfrm>
         </p:spPr>
         <p:txBody>
@@ -2037,39 +2035,39 @@
           <a:lstStyle>
             <a:lvl1pPr marL="0" indent="0">
               <a:buNone/>
-              <a:defRPr sz="1600"/>
+              <a:defRPr sz="1180"/>
             </a:lvl1pPr>
-            <a:lvl2pPr marL="457200" indent="0">
+            <a:lvl2pPr marL="337185" indent="0">
               <a:buNone/>
-              <a:defRPr sz="1400"/>
+              <a:defRPr sz="1033"/>
             </a:lvl2pPr>
-            <a:lvl3pPr marL="914400" indent="0">
+            <a:lvl3pPr marL="674370" indent="0">
               <a:buNone/>
-              <a:defRPr sz="1200"/>
+              <a:defRPr sz="885"/>
             </a:lvl3pPr>
-            <a:lvl4pPr marL="1371600" indent="0">
+            <a:lvl4pPr marL="1011555" indent="0">
               <a:buNone/>
-              <a:defRPr sz="1000"/>
+              <a:defRPr sz="738"/>
             </a:lvl4pPr>
-            <a:lvl5pPr marL="1828800" indent="0">
+            <a:lvl5pPr marL="1348740" indent="0">
               <a:buNone/>
-              <a:defRPr sz="1000"/>
+              <a:defRPr sz="738"/>
             </a:lvl5pPr>
-            <a:lvl6pPr marL="2286000" indent="0">
+            <a:lvl6pPr marL="1685925" indent="0">
               <a:buNone/>
-              <a:defRPr sz="1000"/>
+              <a:defRPr sz="738"/>
             </a:lvl6pPr>
-            <a:lvl7pPr marL="2743200" indent="0">
+            <a:lvl7pPr marL="2023110" indent="0">
               <a:buNone/>
-              <a:defRPr sz="1000"/>
+              <a:defRPr sz="738"/>
             </a:lvl7pPr>
-            <a:lvl8pPr marL="3200400" indent="0">
+            <a:lvl8pPr marL="2360295" indent="0">
               <a:buNone/>
-              <a:defRPr sz="1000"/>
+              <a:defRPr sz="738"/>
             </a:lvl8pPr>
-            <a:lvl9pPr marL="3657600" indent="0">
+            <a:lvl9pPr marL="2697480" indent="0">
               <a:buNone/>
-              <a:defRPr sz="1000"/>
+              <a:defRPr sz="738"/>
             </a:lvl9pPr>
           </a:lstStyle>
           <a:p>
@@ -2083,7 +2081,7 @@
       </p:sp>
       <p:sp>
         <p:nvSpPr>
-          <p:cNvPr id="5" name="日期占位符 4"/>
+          <p:cNvPr id="5" name="Date Placeholder 4"/>
           <p:cNvSpPr>
             <a:spLocks noGrp="1"/>
           </p:cNvSpPr>
@@ -2098,7 +2096,7 @@
           <a:p>
             <a:fld id="{2CCDA654-7A02-4410-B555-FE4EF22A3FD5}" type="datetimeFigureOut">
               <a:rPr lang="zh-CN" altLang="en-US" smtClean="0"/>
-              <a:t>2021/12/20</a:t>
+              <a:t>2021/12/25</a:t>
             </a:fld>
             <a:endParaRPr lang="zh-CN" altLang="en-US"/>
           </a:p>
@@ -2106,7 +2104,7 @@
       </p:sp>
       <p:sp>
         <p:nvSpPr>
-          <p:cNvPr id="6" name="页脚占位符 5"/>
+          <p:cNvPr id="6" name="Footer Placeholder 5"/>
           <p:cNvSpPr>
             <a:spLocks noGrp="1"/>
           </p:cNvSpPr>
@@ -2125,7 +2123,7 @@
       </p:sp>
       <p:sp>
         <p:nvSpPr>
-          <p:cNvPr id="7" name="灯片编号占位符 6"/>
+          <p:cNvPr id="7" name="Slide Number Placeholder 6"/>
           <p:cNvSpPr>
             <a:spLocks noGrp="1"/>
           </p:cNvSpPr>
@@ -2149,7 +2147,7 @@
     </p:spTree>
     <p:extLst>
       <p:ext uri="{BB962C8B-B14F-4D97-AF65-F5344CB8AC3E}">
-        <p14:creationId xmlns:p14="http://schemas.microsoft.com/office/powerpoint/2010/main" val="2151186805"/>
+        <p14:creationId xmlns:p14="http://schemas.microsoft.com/office/powerpoint/2010/main" val="2585006384"/>
       </p:ext>
     </p:extLst>
   </p:cSld>
@@ -2178,7 +2176,7 @@
       </p:grpSpPr>
       <p:sp>
         <p:nvSpPr>
-          <p:cNvPr id="2" name="标题 1"/>
+          <p:cNvPr id="2" name="Title 1"/>
           <p:cNvSpPr>
             <a:spLocks noGrp="1"/>
           </p:cNvSpPr>
@@ -2188,15 +2186,15 @@
         </p:nvSpPr>
         <p:spPr>
           <a:xfrm>
-            <a:off x="839788" y="457200"/>
-            <a:ext cx="3932237" cy="1600200"/>
+            <a:off x="517432" y="337185"/>
+            <a:ext cx="2422832" cy="1180148"/>
           </a:xfrm>
         </p:spPr>
         <p:txBody>
           <a:bodyPr anchor="b"/>
           <a:lstStyle>
             <a:lvl1pPr>
-              <a:defRPr sz="3200"/>
+              <a:defRPr sz="2360"/>
             </a:lvl1pPr>
           </a:lstStyle>
           <a:p>
@@ -2204,15 +2202,15 @@
               <a:rPr lang="zh-CN" altLang="en-US" smtClean="0"/>
               <a:t>单击此处编辑母版标题样式</a:t>
             </a:r>
-            <a:endParaRPr lang="zh-CN" altLang="en-US"/>
+            <a:endParaRPr lang="en-US" dirty="0"/>
           </a:p>
         </p:txBody>
       </p:sp>
       <p:sp>
         <p:nvSpPr>
-          <p:cNvPr id="3" name="图片占位符 2"/>
+          <p:cNvPr id="3" name="Picture Placeholder 2"/>
           <p:cNvSpPr>
-            <a:spLocks noGrp="1"/>
+            <a:spLocks noGrp="1" noChangeAspect="1"/>
           </p:cNvSpPr>
           <p:nvPr>
             <p:ph type="pic" idx="1"/>
@@ -2220,58 +2218,62 @@
         </p:nvSpPr>
         <p:spPr>
           <a:xfrm>
-            <a:off x="5183188" y="987425"/>
-            <a:ext cx="6172200" cy="4873625"/>
+            <a:off x="3193600" y="728227"/>
+            <a:ext cx="3802975" cy="3594298"/>
           </a:xfrm>
         </p:spPr>
         <p:txBody>
-          <a:bodyPr/>
+          <a:bodyPr anchor="t"/>
           <a:lstStyle>
             <a:lvl1pPr marL="0" indent="0">
               <a:buNone/>
-              <a:defRPr sz="3200"/>
+              <a:defRPr sz="2360"/>
             </a:lvl1pPr>
-            <a:lvl2pPr marL="457200" indent="0">
+            <a:lvl2pPr marL="337185" indent="0">
               <a:buNone/>
-              <a:defRPr sz="2800"/>
+              <a:defRPr sz="2065"/>
             </a:lvl2pPr>
-            <a:lvl3pPr marL="914400" indent="0">
+            <a:lvl3pPr marL="674370" indent="0">
               <a:buNone/>
-              <a:defRPr sz="2400"/>
+              <a:defRPr sz="1770"/>
             </a:lvl3pPr>
-            <a:lvl4pPr marL="1371600" indent="0">
+            <a:lvl4pPr marL="1011555" indent="0">
               <a:buNone/>
-              <a:defRPr sz="2000"/>
+              <a:defRPr sz="1475"/>
             </a:lvl4pPr>
-            <a:lvl5pPr marL="1828800" indent="0">
+            <a:lvl5pPr marL="1348740" indent="0">
               <a:buNone/>
-              <a:defRPr sz="2000"/>
+              <a:defRPr sz="1475"/>
             </a:lvl5pPr>
-            <a:lvl6pPr marL="2286000" indent="0">
+            <a:lvl6pPr marL="1685925" indent="0">
               <a:buNone/>
-              <a:defRPr sz="2000"/>
+              <a:defRPr sz="1475"/>
             </a:lvl6pPr>
-            <a:lvl7pPr marL="2743200" indent="0">
+            <a:lvl7pPr marL="2023110" indent="0">
               <a:buNone/>
-              <a:defRPr sz="2000"/>
+              <a:defRPr sz="1475"/>
             </a:lvl7pPr>
-            <a:lvl8pPr marL="3200400" indent="0">
+            <a:lvl8pPr marL="2360295" indent="0">
               <a:buNone/>
-              <a:defRPr sz="2000"/>
+              <a:defRPr sz="1475"/>
             </a:lvl8pPr>
-            <a:lvl9pPr marL="3657600" indent="0">
+            <a:lvl9pPr marL="2697480" indent="0">
               <a:buNone/>
-              <a:defRPr sz="2000"/>
+              <a:defRPr sz="1475"/>
             </a:lvl9pPr>
           </a:lstStyle>
           <a:p>
-            <a:endParaRPr lang="zh-CN" altLang="en-US"/>
+            <a:r>
+              <a:rPr lang="zh-CN" altLang="en-US" smtClean="0"/>
+              <a:t>单击图标添加图片</a:t>
+            </a:r>
+            <a:endParaRPr lang="en-US" dirty="0"/>
           </a:p>
         </p:txBody>
       </p:sp>
       <p:sp>
         <p:nvSpPr>
-          <p:cNvPr id="4" name="文本占位符 3"/>
+          <p:cNvPr id="4" name="Text Placeholder 3"/>
           <p:cNvSpPr>
             <a:spLocks noGrp="1"/>
           </p:cNvSpPr>
@@ -2281,8 +2283,8 @@
         </p:nvSpPr>
         <p:spPr>
           <a:xfrm>
-            <a:off x="839788" y="2057400"/>
-            <a:ext cx="3932237" cy="3811588"/>
+            <a:off x="517432" y="1517333"/>
+            <a:ext cx="2422832" cy="2811046"/>
           </a:xfrm>
         </p:spPr>
         <p:txBody>
@@ -2290,39 +2292,39 @@
           <a:lstStyle>
             <a:lvl1pPr marL="0" indent="0">
               <a:buNone/>
-              <a:defRPr sz="1600"/>
+              <a:defRPr sz="1180"/>
             </a:lvl1pPr>
-            <a:lvl2pPr marL="457200" indent="0">
+            <a:lvl2pPr marL="337185" indent="0">
               <a:buNone/>
-              <a:defRPr sz="1400"/>
+              <a:defRPr sz="1033"/>
             </a:lvl2pPr>
-            <a:lvl3pPr marL="914400" indent="0">
+            <a:lvl3pPr marL="674370" indent="0">
               <a:buNone/>
-              <a:defRPr sz="1200"/>
+              <a:defRPr sz="885"/>
             </a:lvl3pPr>
-            <a:lvl4pPr marL="1371600" indent="0">
+            <a:lvl4pPr marL="1011555" indent="0">
               <a:buNone/>
-              <a:defRPr sz="1000"/>
+              <a:defRPr sz="738"/>
             </a:lvl4pPr>
-            <a:lvl5pPr marL="1828800" indent="0">
+            <a:lvl5pPr marL="1348740" indent="0">
               <a:buNone/>
-              <a:defRPr sz="1000"/>
+              <a:defRPr sz="738"/>
             </a:lvl5pPr>
-            <a:lvl6pPr marL="2286000" indent="0">
+            <a:lvl6pPr marL="1685925" indent="0">
               <a:buNone/>
-              <a:defRPr sz="1000"/>
+              <a:defRPr sz="738"/>
             </a:lvl6pPr>
-            <a:lvl7pPr marL="2743200" indent="0">
+            <a:lvl7pPr marL="2023110" indent="0">
               <a:buNone/>
-              <a:defRPr sz="1000"/>
+              <a:defRPr sz="738"/>
             </a:lvl7pPr>
-            <a:lvl8pPr marL="3200400" indent="0">
+            <a:lvl8pPr marL="2360295" indent="0">
               <a:buNone/>
-              <a:defRPr sz="1000"/>
+              <a:defRPr sz="738"/>
             </a:lvl8pPr>
-            <a:lvl9pPr marL="3657600" indent="0">
+            <a:lvl9pPr marL="2697480" indent="0">
               <a:buNone/>
-              <a:defRPr sz="1000"/>
+              <a:defRPr sz="738"/>
             </a:lvl9pPr>
           </a:lstStyle>
           <a:p>
@@ -2336,7 +2338,7 @@
       </p:sp>
       <p:sp>
         <p:nvSpPr>
-          <p:cNvPr id="5" name="日期占位符 4"/>
+          <p:cNvPr id="5" name="Date Placeholder 4"/>
           <p:cNvSpPr>
             <a:spLocks noGrp="1"/>
           </p:cNvSpPr>
@@ -2351,7 +2353,7 @@
           <a:p>
             <a:fld id="{2CCDA654-7A02-4410-B555-FE4EF22A3FD5}" type="datetimeFigureOut">
               <a:rPr lang="zh-CN" altLang="en-US" smtClean="0"/>
-              <a:t>2021/12/20</a:t>
+              <a:t>2021/12/25</a:t>
             </a:fld>
             <a:endParaRPr lang="zh-CN" altLang="en-US"/>
           </a:p>
@@ -2359,7 +2361,7 @@
       </p:sp>
       <p:sp>
         <p:nvSpPr>
-          <p:cNvPr id="6" name="页脚占位符 5"/>
+          <p:cNvPr id="6" name="Footer Placeholder 5"/>
           <p:cNvSpPr>
             <a:spLocks noGrp="1"/>
           </p:cNvSpPr>
@@ -2378,7 +2380,7 @@
       </p:sp>
       <p:sp>
         <p:nvSpPr>
-          <p:cNvPr id="7" name="灯片编号占位符 6"/>
+          <p:cNvPr id="7" name="Slide Number Placeholder 6"/>
           <p:cNvSpPr>
             <a:spLocks noGrp="1"/>
           </p:cNvSpPr>
@@ -2402,7 +2404,7 @@
     </p:spTree>
     <p:extLst>
       <p:ext uri="{BB962C8B-B14F-4D97-AF65-F5344CB8AC3E}">
-        <p14:creationId xmlns:p14="http://schemas.microsoft.com/office/powerpoint/2010/main" val="4013166999"/>
+        <p14:creationId xmlns:p14="http://schemas.microsoft.com/office/powerpoint/2010/main" val="2323976308"/>
       </p:ext>
     </p:extLst>
   </p:cSld>
@@ -2436,7 +2438,7 @@
       </p:grpSpPr>
       <p:sp>
         <p:nvSpPr>
-          <p:cNvPr id="2" name="标题占位符 1"/>
+          <p:cNvPr id="2" name="Title Placeholder 1"/>
           <p:cNvSpPr>
             <a:spLocks noGrp="1"/>
           </p:cNvSpPr>
@@ -2446,8 +2448,8 @@
         </p:nvSpPr>
         <p:spPr>
           <a:xfrm>
-            <a:off x="838200" y="365125"/>
-            <a:ext cx="10515600" cy="1325563"/>
+            <a:off x="516454" y="269281"/>
+            <a:ext cx="6479143" cy="977603"/>
           </a:xfrm>
           <a:prstGeom prst="rect">
             <a:avLst/>
@@ -2463,13 +2465,13 @@
               <a:rPr lang="zh-CN" altLang="en-US" smtClean="0"/>
               <a:t>单击此处编辑母版标题样式</a:t>
             </a:r>
-            <a:endParaRPr lang="zh-CN" altLang="en-US"/>
+            <a:endParaRPr lang="en-US" dirty="0"/>
           </a:p>
         </p:txBody>
       </p:sp>
       <p:sp>
         <p:nvSpPr>
-          <p:cNvPr id="3" name="文本占位符 2"/>
+          <p:cNvPr id="3" name="Text Placeholder 2"/>
           <p:cNvSpPr>
             <a:spLocks noGrp="1"/>
           </p:cNvSpPr>
@@ -2479,8 +2481,8 @@
         </p:nvSpPr>
         <p:spPr>
           <a:xfrm>
-            <a:off x="838200" y="1825625"/>
-            <a:ext cx="10515600" cy="4351338"/>
+            <a:off x="516454" y="1346398"/>
+            <a:ext cx="6479143" cy="3209112"/>
           </a:xfrm>
           <a:prstGeom prst="rect">
             <a:avLst/>
@@ -2525,13 +2527,13 @@
               <a:rPr lang="zh-CN" altLang="en-US" smtClean="0"/>
               <a:t>第五级</a:t>
             </a:r>
-            <a:endParaRPr lang="zh-CN" altLang="en-US"/>
+            <a:endParaRPr lang="en-US" dirty="0"/>
           </a:p>
         </p:txBody>
       </p:sp>
       <p:sp>
         <p:nvSpPr>
-          <p:cNvPr id="4" name="日期占位符 3"/>
+          <p:cNvPr id="4" name="Date Placeholder 3"/>
           <p:cNvSpPr>
             <a:spLocks noGrp="1"/>
           </p:cNvSpPr>
@@ -2541,8 +2543,8 @@
         </p:nvSpPr>
         <p:spPr>
           <a:xfrm>
-            <a:off x="838200" y="6356350"/>
-            <a:ext cx="2743200" cy="365125"/>
+            <a:off x="516454" y="4687809"/>
+            <a:ext cx="1690211" cy="269280"/>
           </a:xfrm>
           <a:prstGeom prst="rect">
             <a:avLst/>
@@ -2552,7 +2554,7 @@
           <a:bodyPr vert="horz" lIns="91440" tIns="45720" rIns="91440" bIns="45720" rtlCol="0" anchor="ctr"/>
           <a:lstStyle>
             <a:lvl1pPr algn="l">
-              <a:defRPr sz="1200">
+              <a:defRPr sz="885">
                 <a:solidFill>
                   <a:schemeClr val="tx1">
                     <a:tint val="75000"/>
@@ -2564,7 +2566,7 @@
           <a:p>
             <a:fld id="{2CCDA654-7A02-4410-B555-FE4EF22A3FD5}" type="datetimeFigureOut">
               <a:rPr lang="zh-CN" altLang="en-US" smtClean="0"/>
-              <a:t>2021/12/20</a:t>
+              <a:t>2021/12/25</a:t>
             </a:fld>
             <a:endParaRPr lang="zh-CN" altLang="en-US"/>
           </a:p>
@@ -2572,7 +2574,7 @@
       </p:sp>
       <p:sp>
         <p:nvSpPr>
-          <p:cNvPr id="5" name="页脚占位符 4"/>
+          <p:cNvPr id="5" name="Footer Placeholder 4"/>
           <p:cNvSpPr>
             <a:spLocks noGrp="1"/>
           </p:cNvSpPr>
@@ -2582,8 +2584,8 @@
         </p:nvSpPr>
         <p:spPr>
           <a:xfrm>
-            <a:off x="4038600" y="6356350"/>
-            <a:ext cx="4114800" cy="365125"/>
+            <a:off x="2488367" y="4687809"/>
+            <a:ext cx="2535317" cy="269280"/>
           </a:xfrm>
           <a:prstGeom prst="rect">
             <a:avLst/>
@@ -2593,7 +2595,7 @@
           <a:bodyPr vert="horz" lIns="91440" tIns="45720" rIns="91440" bIns="45720" rtlCol="0" anchor="ctr"/>
           <a:lstStyle>
             <a:lvl1pPr algn="ctr">
-              <a:defRPr sz="1200">
+              <a:defRPr sz="885">
                 <a:solidFill>
                   <a:schemeClr val="tx1">
                     <a:tint val="75000"/>
@@ -2609,7 +2611,7 @@
       </p:sp>
       <p:sp>
         <p:nvSpPr>
-          <p:cNvPr id="6" name="灯片编号占位符 5"/>
+          <p:cNvPr id="6" name="Slide Number Placeholder 5"/>
           <p:cNvSpPr>
             <a:spLocks noGrp="1"/>
           </p:cNvSpPr>
@@ -2619,8 +2621,8 @@
         </p:nvSpPr>
         <p:spPr>
           <a:xfrm>
-            <a:off x="8610600" y="6356350"/>
-            <a:ext cx="2743200" cy="365125"/>
+            <a:off x="5305385" y="4687809"/>
+            <a:ext cx="1690211" cy="269280"/>
           </a:xfrm>
           <a:prstGeom prst="rect">
             <a:avLst/>
@@ -2630,7 +2632,7 @@
           <a:bodyPr vert="horz" lIns="91440" tIns="45720" rIns="91440" bIns="45720" rtlCol="0" anchor="ctr"/>
           <a:lstStyle>
             <a:lvl1pPr algn="r">
-              <a:defRPr sz="1200">
+              <a:defRPr sz="885">
                 <a:solidFill>
                   <a:schemeClr val="tx1">
                     <a:tint val="75000"/>
@@ -2651,27 +2653,27 @@
     </p:spTree>
     <p:extLst>
       <p:ext uri="{BB962C8B-B14F-4D97-AF65-F5344CB8AC3E}">
-        <p14:creationId xmlns:p14="http://schemas.microsoft.com/office/powerpoint/2010/main" val="432948780"/>
+        <p14:creationId xmlns:p14="http://schemas.microsoft.com/office/powerpoint/2010/main" val="3040780905"/>
       </p:ext>
     </p:extLst>
   </p:cSld>
   <p:clrMap bg1="lt1" tx1="dk1" bg2="lt2" tx2="dk2" accent1="accent1" accent2="accent2" accent3="accent3" accent4="accent4" accent5="accent5" accent6="accent6" hlink="hlink" folHlink="folHlink"/>
   <p:sldLayoutIdLst>
-    <p:sldLayoutId id="2147483649" r:id="rId1"/>
-    <p:sldLayoutId id="2147483650" r:id="rId2"/>
-    <p:sldLayoutId id="2147483651" r:id="rId3"/>
-    <p:sldLayoutId id="2147483652" r:id="rId4"/>
-    <p:sldLayoutId id="2147483653" r:id="rId5"/>
-    <p:sldLayoutId id="2147483654" r:id="rId6"/>
-    <p:sldLayoutId id="2147483655" r:id="rId7"/>
-    <p:sldLayoutId id="2147483656" r:id="rId8"/>
-    <p:sldLayoutId id="2147483657" r:id="rId9"/>
-    <p:sldLayoutId id="2147483658" r:id="rId10"/>
-    <p:sldLayoutId id="2147483659" r:id="rId11"/>
+    <p:sldLayoutId id="2147483685" r:id="rId1"/>
+    <p:sldLayoutId id="2147483686" r:id="rId2"/>
+    <p:sldLayoutId id="2147483687" r:id="rId3"/>
+    <p:sldLayoutId id="2147483688" r:id="rId4"/>
+    <p:sldLayoutId id="2147483689" r:id="rId5"/>
+    <p:sldLayoutId id="2147483690" r:id="rId6"/>
+    <p:sldLayoutId id="2147483691" r:id="rId7"/>
+    <p:sldLayoutId id="2147483692" r:id="rId8"/>
+    <p:sldLayoutId id="2147483693" r:id="rId9"/>
+    <p:sldLayoutId id="2147483694" r:id="rId10"/>
+    <p:sldLayoutId id="2147483695" r:id="rId11"/>
   </p:sldLayoutIdLst>
   <p:txStyles>
     <p:titleStyle>
-      <a:lvl1pPr algn="l" defTabSz="914400" rtl="0" eaLnBrk="1" latinLnBrk="0" hangingPunct="1">
+      <a:lvl1pPr algn="l" defTabSz="674370" rtl="0" eaLnBrk="1" latinLnBrk="0" hangingPunct="1">
         <a:lnSpc>
           <a:spcPct val="90000"/>
         </a:lnSpc>
@@ -2679,7 +2681,7 @@
           <a:spcPct val="0"/>
         </a:spcBef>
         <a:buNone/>
-        <a:defRPr sz="4400" kern="1200">
+        <a:defRPr sz="3245" kern="1200">
           <a:solidFill>
             <a:schemeClr val="tx1"/>
           </a:solidFill>
@@ -2690,16 +2692,16 @@
       </a:lvl1pPr>
     </p:titleStyle>
     <p:bodyStyle>
-      <a:lvl1pPr marL="228600" indent="-228600" algn="l" defTabSz="914400" rtl="0" eaLnBrk="1" latinLnBrk="0" hangingPunct="1">
+      <a:lvl1pPr marL="168593" indent="-168593" algn="l" defTabSz="674370" rtl="0" eaLnBrk="1" latinLnBrk="0" hangingPunct="1">
         <a:lnSpc>
           <a:spcPct val="90000"/>
         </a:lnSpc>
         <a:spcBef>
-          <a:spcPts val="1000"/>
+          <a:spcPts val="738"/>
         </a:spcBef>
         <a:buFont typeface="Arial" panose="020B0604020202020204" pitchFamily="34" charset="0"/>
         <a:buChar char="•"/>
-        <a:defRPr sz="2800" kern="1200">
+        <a:defRPr sz="2065" kern="1200">
           <a:solidFill>
             <a:schemeClr val="tx1"/>
           </a:solidFill>
@@ -2708,16 +2710,16 @@
           <a:cs typeface="+mn-cs"/>
         </a:defRPr>
       </a:lvl1pPr>
-      <a:lvl2pPr marL="685800" indent="-228600" algn="l" defTabSz="914400" rtl="0" eaLnBrk="1" latinLnBrk="0" hangingPunct="1">
+      <a:lvl2pPr marL="505778" indent="-168593" algn="l" defTabSz="674370" rtl="0" eaLnBrk="1" latinLnBrk="0" hangingPunct="1">
         <a:lnSpc>
           <a:spcPct val="90000"/>
         </a:lnSpc>
         <a:spcBef>
-          <a:spcPts val="500"/>
+          <a:spcPts val="369"/>
         </a:spcBef>
         <a:buFont typeface="Arial" panose="020B0604020202020204" pitchFamily="34" charset="0"/>
         <a:buChar char="•"/>
-        <a:defRPr sz="2400" kern="1200">
+        <a:defRPr sz="1770" kern="1200">
           <a:solidFill>
             <a:schemeClr val="tx1"/>
           </a:solidFill>
@@ -2726,16 +2728,16 @@
           <a:cs typeface="+mn-cs"/>
         </a:defRPr>
       </a:lvl2pPr>
-      <a:lvl3pPr marL="1143000" indent="-228600" algn="l" defTabSz="914400" rtl="0" eaLnBrk="1" latinLnBrk="0" hangingPunct="1">
+      <a:lvl3pPr marL="842963" indent="-168593" algn="l" defTabSz="674370" rtl="0" eaLnBrk="1" latinLnBrk="0" hangingPunct="1">
         <a:lnSpc>
           <a:spcPct val="90000"/>
         </a:lnSpc>
         <a:spcBef>
-          <a:spcPts val="500"/>
+          <a:spcPts val="369"/>
         </a:spcBef>
         <a:buFont typeface="Arial" panose="020B0604020202020204" pitchFamily="34" charset="0"/>
         <a:buChar char="•"/>
-        <a:defRPr sz="2000" kern="1200">
+        <a:defRPr sz="1475" kern="1200">
           <a:solidFill>
             <a:schemeClr val="tx1"/>
           </a:solidFill>
@@ -2744,16 +2746,16 @@
           <a:cs typeface="+mn-cs"/>
         </a:defRPr>
       </a:lvl3pPr>
-      <a:lvl4pPr marL="1600200" indent="-228600" algn="l" defTabSz="914400" rtl="0" eaLnBrk="1" latinLnBrk="0" hangingPunct="1">
+      <a:lvl4pPr marL="1180148" indent="-168593" algn="l" defTabSz="674370" rtl="0" eaLnBrk="1" latinLnBrk="0" hangingPunct="1">
         <a:lnSpc>
           <a:spcPct val="90000"/>
         </a:lnSpc>
         <a:spcBef>
-          <a:spcPts val="500"/>
+          <a:spcPts val="369"/>
         </a:spcBef>
         <a:buFont typeface="Arial" panose="020B0604020202020204" pitchFamily="34" charset="0"/>
         <a:buChar char="•"/>
-        <a:defRPr sz="1800" kern="1200">
+        <a:defRPr sz="1328" kern="1200">
           <a:solidFill>
             <a:schemeClr val="tx1"/>
           </a:solidFill>
@@ -2762,16 +2764,16 @@
           <a:cs typeface="+mn-cs"/>
         </a:defRPr>
       </a:lvl4pPr>
-      <a:lvl5pPr marL="2057400" indent="-228600" algn="l" defTabSz="914400" rtl="0" eaLnBrk="1" latinLnBrk="0" hangingPunct="1">
+      <a:lvl5pPr marL="1517333" indent="-168593" algn="l" defTabSz="674370" rtl="0" eaLnBrk="1" latinLnBrk="0" hangingPunct="1">
         <a:lnSpc>
           <a:spcPct val="90000"/>
         </a:lnSpc>
         <a:spcBef>
-          <a:spcPts val="500"/>
+          <a:spcPts val="369"/>
         </a:spcBef>
         <a:buFont typeface="Arial" panose="020B0604020202020204" pitchFamily="34" charset="0"/>
         <a:buChar char="•"/>
-        <a:defRPr sz="1800" kern="1200">
+        <a:defRPr sz="1328" kern="1200">
           <a:solidFill>
             <a:schemeClr val="tx1"/>
           </a:solidFill>
@@ -2780,16 +2782,16 @@
           <a:cs typeface="+mn-cs"/>
         </a:defRPr>
       </a:lvl5pPr>
-      <a:lvl6pPr marL="2514600" indent="-228600" algn="l" defTabSz="914400" rtl="0" eaLnBrk="1" latinLnBrk="0" hangingPunct="1">
+      <a:lvl6pPr marL="1854518" indent="-168593" algn="l" defTabSz="674370" rtl="0" eaLnBrk="1" latinLnBrk="0" hangingPunct="1">
         <a:lnSpc>
           <a:spcPct val="90000"/>
         </a:lnSpc>
         <a:spcBef>
-          <a:spcPts val="500"/>
+          <a:spcPts val="369"/>
         </a:spcBef>
         <a:buFont typeface="Arial" panose="020B0604020202020204" pitchFamily="34" charset="0"/>
         <a:buChar char="•"/>
-        <a:defRPr sz="1800" kern="1200">
+        <a:defRPr sz="1328" kern="1200">
           <a:solidFill>
             <a:schemeClr val="tx1"/>
           </a:solidFill>
@@ -2798,16 +2800,16 @@
           <a:cs typeface="+mn-cs"/>
         </a:defRPr>
       </a:lvl6pPr>
-      <a:lvl7pPr marL="2971800" indent="-228600" algn="l" defTabSz="914400" rtl="0" eaLnBrk="1" latinLnBrk="0" hangingPunct="1">
+      <a:lvl7pPr marL="2191703" indent="-168593" algn="l" defTabSz="674370" rtl="0" eaLnBrk="1" latinLnBrk="0" hangingPunct="1">
         <a:lnSpc>
           <a:spcPct val="90000"/>
         </a:lnSpc>
         <a:spcBef>
-          <a:spcPts val="500"/>
+          <a:spcPts val="369"/>
         </a:spcBef>
         <a:buFont typeface="Arial" panose="020B0604020202020204" pitchFamily="34" charset="0"/>
         <a:buChar char="•"/>
-        <a:defRPr sz="1800" kern="1200">
+        <a:defRPr sz="1328" kern="1200">
           <a:solidFill>
             <a:schemeClr val="tx1"/>
           </a:solidFill>
@@ -2816,16 +2818,16 @@
           <a:cs typeface="+mn-cs"/>
         </a:defRPr>
       </a:lvl7pPr>
-      <a:lvl8pPr marL="3429000" indent="-228600" algn="l" defTabSz="914400" rtl="0" eaLnBrk="1" latinLnBrk="0" hangingPunct="1">
+      <a:lvl8pPr marL="2528888" indent="-168593" algn="l" defTabSz="674370" rtl="0" eaLnBrk="1" latinLnBrk="0" hangingPunct="1">
         <a:lnSpc>
           <a:spcPct val="90000"/>
         </a:lnSpc>
         <a:spcBef>
-          <a:spcPts val="500"/>
+          <a:spcPts val="369"/>
         </a:spcBef>
         <a:buFont typeface="Arial" panose="020B0604020202020204" pitchFamily="34" charset="0"/>
         <a:buChar char="•"/>
-        <a:defRPr sz="1800" kern="1200">
+        <a:defRPr sz="1328" kern="1200">
           <a:solidFill>
             <a:schemeClr val="tx1"/>
           </a:solidFill>
@@ -2834,16 +2836,16 @@
           <a:cs typeface="+mn-cs"/>
         </a:defRPr>
       </a:lvl8pPr>
-      <a:lvl9pPr marL="3886200" indent="-228600" algn="l" defTabSz="914400" rtl="0" eaLnBrk="1" latinLnBrk="0" hangingPunct="1">
+      <a:lvl9pPr marL="2866073" indent="-168593" algn="l" defTabSz="674370" rtl="0" eaLnBrk="1" latinLnBrk="0" hangingPunct="1">
         <a:lnSpc>
           <a:spcPct val="90000"/>
         </a:lnSpc>
         <a:spcBef>
-          <a:spcPts val="500"/>
+          <a:spcPts val="369"/>
         </a:spcBef>
         <a:buFont typeface="Arial" panose="020B0604020202020204" pitchFamily="34" charset="0"/>
         <a:buChar char="•"/>
-        <a:defRPr sz="1800" kern="1200">
+        <a:defRPr sz="1328" kern="1200">
           <a:solidFill>
             <a:schemeClr val="tx1"/>
           </a:solidFill>
@@ -2855,10 +2857,10 @@
     </p:bodyStyle>
     <p:otherStyle>
       <a:defPPr>
-        <a:defRPr lang="zh-CN"/>
+        <a:defRPr lang="en-US"/>
       </a:defPPr>
-      <a:lvl1pPr marL="0" algn="l" defTabSz="914400" rtl="0" eaLnBrk="1" latinLnBrk="0" hangingPunct="1">
-        <a:defRPr sz="1800" kern="1200">
+      <a:lvl1pPr marL="0" algn="l" defTabSz="674370" rtl="0" eaLnBrk="1" latinLnBrk="0" hangingPunct="1">
+        <a:defRPr sz="1328" kern="1200">
           <a:solidFill>
             <a:schemeClr val="tx1"/>
           </a:solidFill>
@@ -2867,8 +2869,8 @@
           <a:cs typeface="+mn-cs"/>
         </a:defRPr>
       </a:lvl1pPr>
-      <a:lvl2pPr marL="457200" algn="l" defTabSz="914400" rtl="0" eaLnBrk="1" latinLnBrk="0" hangingPunct="1">
-        <a:defRPr sz="1800" kern="1200">
+      <a:lvl2pPr marL="337185" algn="l" defTabSz="674370" rtl="0" eaLnBrk="1" latinLnBrk="0" hangingPunct="1">
+        <a:defRPr sz="1328" kern="1200">
           <a:solidFill>
             <a:schemeClr val="tx1"/>
           </a:solidFill>
@@ -2877,8 +2879,8 @@
           <a:cs typeface="+mn-cs"/>
         </a:defRPr>
       </a:lvl2pPr>
-      <a:lvl3pPr marL="914400" algn="l" defTabSz="914400" rtl="0" eaLnBrk="1" latinLnBrk="0" hangingPunct="1">
-        <a:defRPr sz="1800" kern="1200">
+      <a:lvl3pPr marL="674370" algn="l" defTabSz="674370" rtl="0" eaLnBrk="1" latinLnBrk="0" hangingPunct="1">
+        <a:defRPr sz="1328" kern="1200">
           <a:solidFill>
             <a:schemeClr val="tx1"/>
           </a:solidFill>
@@ -2887,8 +2889,8 @@
           <a:cs typeface="+mn-cs"/>
         </a:defRPr>
       </a:lvl3pPr>
-      <a:lvl4pPr marL="1371600" algn="l" defTabSz="914400" rtl="0" eaLnBrk="1" latinLnBrk="0" hangingPunct="1">
-        <a:defRPr sz="1800" kern="1200">
+      <a:lvl4pPr marL="1011555" algn="l" defTabSz="674370" rtl="0" eaLnBrk="1" latinLnBrk="0" hangingPunct="1">
+        <a:defRPr sz="1328" kern="1200">
           <a:solidFill>
             <a:schemeClr val="tx1"/>
           </a:solidFill>
@@ -2897,8 +2899,8 @@
           <a:cs typeface="+mn-cs"/>
         </a:defRPr>
       </a:lvl4pPr>
-      <a:lvl5pPr marL="1828800" algn="l" defTabSz="914400" rtl="0" eaLnBrk="1" latinLnBrk="0" hangingPunct="1">
-        <a:defRPr sz="1800" kern="1200">
+      <a:lvl5pPr marL="1348740" algn="l" defTabSz="674370" rtl="0" eaLnBrk="1" latinLnBrk="0" hangingPunct="1">
+        <a:defRPr sz="1328" kern="1200">
           <a:solidFill>
             <a:schemeClr val="tx1"/>
           </a:solidFill>
@@ -2907,8 +2909,8 @@
           <a:cs typeface="+mn-cs"/>
         </a:defRPr>
       </a:lvl5pPr>
-      <a:lvl6pPr marL="2286000" algn="l" defTabSz="914400" rtl="0" eaLnBrk="1" latinLnBrk="0" hangingPunct="1">
-        <a:defRPr sz="1800" kern="1200">
+      <a:lvl6pPr marL="1685925" algn="l" defTabSz="674370" rtl="0" eaLnBrk="1" latinLnBrk="0" hangingPunct="1">
+        <a:defRPr sz="1328" kern="1200">
           <a:solidFill>
             <a:schemeClr val="tx1"/>
           </a:solidFill>
@@ -2917,8 +2919,8 @@
           <a:cs typeface="+mn-cs"/>
         </a:defRPr>
       </a:lvl6pPr>
-      <a:lvl7pPr marL="2743200" algn="l" defTabSz="914400" rtl="0" eaLnBrk="1" latinLnBrk="0" hangingPunct="1">
-        <a:defRPr sz="1800" kern="1200">
+      <a:lvl7pPr marL="2023110" algn="l" defTabSz="674370" rtl="0" eaLnBrk="1" latinLnBrk="0" hangingPunct="1">
+        <a:defRPr sz="1328" kern="1200">
           <a:solidFill>
             <a:schemeClr val="tx1"/>
           </a:solidFill>
@@ -2927,8 +2929,8 @@
           <a:cs typeface="+mn-cs"/>
         </a:defRPr>
       </a:lvl7pPr>
-      <a:lvl8pPr marL="3200400" algn="l" defTabSz="914400" rtl="0" eaLnBrk="1" latinLnBrk="0" hangingPunct="1">
-        <a:defRPr sz="1800" kern="1200">
+      <a:lvl8pPr marL="2360295" algn="l" defTabSz="674370" rtl="0" eaLnBrk="1" latinLnBrk="0" hangingPunct="1">
+        <a:defRPr sz="1328" kern="1200">
           <a:solidFill>
             <a:schemeClr val="tx1"/>
           </a:solidFill>
@@ -2937,8 +2939,8 @@
           <a:cs typeface="+mn-cs"/>
         </a:defRPr>
       </a:lvl8pPr>
-      <a:lvl9pPr marL="3657600" algn="l" defTabSz="914400" rtl="0" eaLnBrk="1" latinLnBrk="0" hangingPunct="1">
-        <a:defRPr sz="1800" kern="1200">
+      <a:lvl9pPr marL="2697480" algn="l" defTabSz="674370" rtl="0" eaLnBrk="1" latinLnBrk="0" hangingPunct="1">
+        <a:defRPr sz="1328" kern="1200">
           <a:solidFill>
             <a:schemeClr val="tx1"/>
           </a:solidFill>
@@ -2977,7 +2979,7 @@
         </p:nvGrpSpPr>
         <p:grpSpPr>
           <a:xfrm>
-            <a:off x="2395618" y="722211"/>
+            <a:off x="290524" y="425504"/>
             <a:ext cx="7112454" cy="4202015"/>
             <a:chOff x="2395618" y="722211"/>
             <a:chExt cx="7112454" cy="4202015"/>
@@ -3614,7 +3616,7 @@
               <a:p>
                 <a:pPr algn="ctr"/>
                 <a:r>
-                  <a:rPr lang="en-US" altLang="zh-CN" dirty="0" smtClean="0"/>
+                  <a:rPr lang="en-US" altLang="zh-CN" dirty="0"/>
                   <a:t>...</a:t>
                 </a:r>
                 <a:endParaRPr lang="zh-CN" altLang="en-US" dirty="0"/>
@@ -3645,7 +3647,7 @@
               <a:p>
                 <a:pPr algn="ctr"/>
                 <a:r>
-                  <a:rPr lang="en-US" altLang="zh-CN" sz="1050" b="1" dirty="0" smtClean="0"/>
+                  <a:rPr lang="en-US" altLang="zh-CN" sz="1050" b="1" dirty="0"/>
                   <a:t>Phase 1</a:t>
                 </a:r>
                 <a:endParaRPr lang="zh-CN" altLang="en-US" sz="1050" b="1" dirty="0"/>
@@ -3676,7 +3678,7 @@
               <a:p>
                 <a:pPr algn="ctr"/>
                 <a:r>
-                  <a:rPr lang="en-US" altLang="zh-CN" sz="1050" b="1" dirty="0" smtClean="0"/>
+                  <a:rPr lang="en-US" altLang="zh-CN" sz="1050" b="1" dirty="0"/>
                   <a:t>Phase p</a:t>
                 </a:r>
                 <a:endParaRPr lang="zh-CN" altLang="en-US" sz="1050" b="1" dirty="0"/>
@@ -3965,7 +3967,7 @@
               <a:p>
                 <a:pPr algn="ctr"/>
                 <a:r>
-                  <a:rPr lang="en-US" altLang="zh-CN" sz="1050" b="1" dirty="0" smtClean="0"/>
+                  <a:rPr lang="en-US" altLang="zh-CN" sz="1050" b="1" dirty="0"/>
                   <a:t>Action</a:t>
                 </a:r>
                 <a:endParaRPr lang="zh-CN" altLang="en-US" sz="1050" b="1" dirty="0"/>
@@ -4642,7 +4644,7 @@
             <a:p>
               <a:pPr algn="ctr"/>
               <a:r>
-                <a:rPr lang="en-US" altLang="zh-CN" sz="1000" b="1" dirty="0" smtClean="0"/>
+                <a:rPr lang="en-US" altLang="zh-CN" sz="1000" b="1" dirty="0"/>
                 <a:t>Queue length</a:t>
               </a:r>
               <a:endParaRPr lang="zh-CN" altLang="en-US" sz="1000" b="1" dirty="0"/>
@@ -4673,7 +4675,7 @@
             <a:p>
               <a:pPr algn="ctr"/>
               <a:r>
-                <a:rPr lang="en-US" altLang="zh-CN" sz="1000" b="1" dirty="0" smtClean="0"/>
+                <a:rPr lang="en-US" altLang="zh-CN" sz="1000" b="1" dirty="0"/>
                 <a:t>Traffic volume</a:t>
               </a:r>
               <a:endParaRPr lang="zh-CN" altLang="en-US" sz="1000" b="1" dirty="0"/>
@@ -4704,7 +4706,7 @@
             <a:p>
               <a:pPr algn="ctr"/>
               <a:r>
-                <a:rPr lang="en-US" altLang="zh-CN" sz="1000" b="1" dirty="0" smtClean="0"/>
+                <a:rPr lang="en-US" altLang="zh-CN" sz="1000" b="1" dirty="0"/>
                 <a:t>Current phase</a:t>
               </a:r>
               <a:endParaRPr lang="zh-CN" altLang="en-US" sz="1000" b="1" dirty="0"/>
@@ -5149,7 +5151,7 @@
             <a:p>
               <a:pPr algn="ctr"/>
               <a:r>
-                <a:rPr lang="en-US" altLang="zh-CN" sz="1000" b="1" dirty="0" smtClean="0"/>
+                <a:rPr lang="en-US" altLang="zh-CN" sz="1000" b="1" dirty="0"/>
                 <a:t>Next Queue length</a:t>
               </a:r>
               <a:endParaRPr lang="zh-CN" altLang="en-US" sz="1000" b="1" dirty="0"/>
@@ -5180,7 +5182,7 @@
             <a:p>
               <a:pPr algn="ctr"/>
               <a:r>
-                <a:rPr lang="en-US" altLang="zh-CN" sz="1000" b="1" dirty="0" smtClean="0"/>
+                <a:rPr lang="en-US" altLang="zh-CN" sz="1000" b="1" dirty="0"/>
                 <a:t>Next Traffic volume</a:t>
               </a:r>
               <a:endParaRPr lang="zh-CN" altLang="en-US" sz="1000" b="1" dirty="0"/>
@@ -6493,7 +6495,7 @@
             <a:p>
               <a:pPr algn="ctr"/>
               <a:r>
-                <a:rPr lang="zh-CN" altLang="en-US" sz="1000" b="1" dirty="0" smtClean="0"/>
+                <a:rPr lang="zh-CN" altLang="en-US" sz="1000" b="1" dirty="0"/>
                 <a:t>节点回归</a:t>
               </a:r>
               <a:endParaRPr lang="zh-CN" altLang="en-US" sz="1000" b="1" dirty="0"/>
@@ -6524,7 +6526,7 @@
             <a:p>
               <a:pPr algn="ctr"/>
               <a:r>
-                <a:rPr lang="zh-CN" altLang="en-US" sz="1000" b="1" dirty="0" smtClean="0"/>
+                <a:rPr lang="zh-CN" altLang="en-US" sz="1000" b="1" dirty="0"/>
                 <a:t>环境观察</a:t>
               </a:r>
               <a:endParaRPr lang="zh-CN" altLang="en-US" sz="1000" b="1" dirty="0"/>
@@ -6548,7 +6550,7 @@
 <file path=ppt/theme/theme1.xml><?xml version="1.0" encoding="utf-8"?>
 <a:theme xmlns:a="http://schemas.openxmlformats.org/drawingml/2006/main" name="Office 主题​​">
   <a:themeElements>
-    <a:clrScheme name="Office">
+    <a:clrScheme name="Office 主题​​">
       <a:dk1>
         <a:sysClr val="windowText" lastClr="000000"/>
       </a:dk1>
@@ -6586,9 +6588,9 @@
         <a:srgbClr val="954F72"/>
       </a:folHlink>
     </a:clrScheme>
-    <a:fontScheme name="Office">
+    <a:fontScheme name="Office 主题​​">
       <a:majorFont>
-        <a:latin typeface="等线 Light" panose="020F0302020204030204"/>
+        <a:latin typeface="Calibri Light" panose="020F0302020204030204"/>
         <a:ea typeface=""/>
         <a:cs typeface=""/>
         <a:font script="Jpan" typeface="游ゴシック Light"/>
@@ -6623,7 +6625,7 @@
         <a:font script="Geor" typeface="Sylfaen"/>
       </a:majorFont>
       <a:minorFont>
-        <a:latin typeface="等线" panose="020F0502020204030204"/>
+        <a:latin typeface="Calibri" panose="020F0502020204030204"/>
         <a:ea typeface=""/>
         <a:cs typeface=""/>
         <a:font script="Jpan" typeface="游ゴシック"/>
@@ -6658,7 +6660,7 @@
         <a:font script="Geor" typeface="Sylfaen"/>
       </a:minorFont>
     </a:fontScheme>
-    <a:fmtScheme name="Office">
+    <a:fmtScheme name="Office 主题​​">
       <a:fillStyleLst>
         <a:solidFill>
           <a:schemeClr val="phClr"/>
